--- a/docs/.offline/social-banner.pptx
+++ b/docs/.offline/social-banner.pptx
@@ -3806,10 +3806,10 @@
       </p:grpSpPr>
       <p:pic>
         <p:nvPicPr>
-          <p:cNvPr id="4" name="Graphic 3">
+          <p:cNvPr id="6" name="Graphic 5">
             <a:extLst>
               <a:ext uri="{FF2B5EF4-FFF2-40B4-BE49-F238E27FC236}">
-                <a16:creationId xmlns:a16="http://schemas.microsoft.com/office/drawing/2014/main" id="{D0F626C7-2D22-F6E8-3B97-15E2F3068C68}"/>
+                <a16:creationId xmlns:a16="http://schemas.microsoft.com/office/drawing/2014/main" id="{BB68B3B3-6A98-9EFC-7D3D-5A88620F9EDF}"/>
               </a:ext>
             </a:extLst>
           </p:cNvPr>
